--- a/turtle.pptx
+++ b/turtle.pptx
@@ -195,7 +195,8 @@
           <a:p>
             <a:fld id="{3023D0BB-018F-422F-ADFF-35EDD49EFF3E}" type="datetimeFigureOut">
               <a:rPr lang="en-US" smtClean="0"/>
-              <a:t>2/16/2016</a:t>
+              <a:pPr/>
+              <a:t>3/4/2016</a:t>
             </a:fld>
             <a:endParaRPr lang="en-US"/>
           </a:p>
@@ -356,6 +357,7 @@
           <a:p>
             <a:fld id="{9EAAA47A-7438-4B28-A78E-7057BF42F615}" type="slidenum">
               <a:rPr lang="en-US" smtClean="0"/>
+              <a:pPr/>
               <a:t>‹#›</a:t>
             </a:fld>
             <a:endParaRPr lang="en-US"/>
@@ -508,6 +510,201 @@
           <a:p>
             <a:r>
               <a:rPr lang="en-US" dirty="0" smtClean="0"/>
+              <a:t>Walk-through</a:t>
+            </a:r>
+            <a:r>
+              <a:rPr lang="en-US" baseline="0" dirty="0" smtClean="0"/>
+              <a:t> behind the scene on how the tool works.</a:t>
+            </a:r>
+          </a:p>
+          <a:p>
+            <a:endParaRPr lang="en-US" baseline="0" dirty="0" smtClean="0"/>
+          </a:p>
+          <a:p>
+            <a:r>
+              <a:rPr lang="en-US" sz="1200" b="0" i="0" kern="1200" dirty="0" smtClean="0">
+                <a:solidFill>
+                  <a:schemeClr val="tx1"/>
+                </a:solidFill>
+                <a:latin typeface="+mn-lt"/>
+                <a:ea typeface="+mn-ea"/>
+                <a:cs typeface="+mn-cs"/>
+              </a:rPr>
+              <a:t>Word Origin</a:t>
+            </a:r>
+          </a:p>
+          <a:p>
+            <a:r>
+              <a:rPr lang="en-US" sz="1200" b="0" i="0" kern="1200" dirty="0" smtClean="0">
+                <a:solidFill>
+                  <a:schemeClr val="tx1"/>
+                </a:solidFill>
+                <a:latin typeface="+mn-lt"/>
+                <a:ea typeface="+mn-ea"/>
+                <a:cs typeface="+mn-cs"/>
+              </a:rPr>
+              <a:t>Old English </a:t>
+            </a:r>
+            <a:r>
+              <a:rPr lang="en-US" sz="1200" b="0" i="1" kern="1200" dirty="0" err="1" smtClean="0">
+                <a:solidFill>
+                  <a:schemeClr val="tx1"/>
+                </a:solidFill>
+                <a:latin typeface="+mn-lt"/>
+                <a:ea typeface="+mn-ea"/>
+                <a:cs typeface="+mn-cs"/>
+              </a:rPr>
+              <a:t>turtla</a:t>
+            </a:r>
+            <a:r>
+              <a:rPr lang="en-US" sz="1200" b="0" i="0" kern="1200" dirty="0" smtClean="0">
+                <a:solidFill>
+                  <a:schemeClr val="tx1"/>
+                </a:solidFill>
+                <a:latin typeface="+mn-lt"/>
+                <a:ea typeface="+mn-ea"/>
+                <a:cs typeface="+mn-cs"/>
+              </a:rPr>
+              <a:t>, from Latin </a:t>
+            </a:r>
+            <a:r>
+              <a:rPr lang="en-US" sz="1200" b="0" i="1" kern="1200" dirty="0" err="1" smtClean="0">
+                <a:solidFill>
+                  <a:schemeClr val="tx1"/>
+                </a:solidFill>
+                <a:latin typeface="+mn-lt"/>
+                <a:ea typeface="+mn-ea"/>
+                <a:cs typeface="+mn-cs"/>
+              </a:rPr>
+              <a:t>turtur</a:t>
+            </a:r>
+            <a:r>
+              <a:rPr lang="en-US" sz="1200" b="0" i="0" kern="1200" dirty="0" smtClean="0">
+                <a:solidFill>
+                  <a:schemeClr val="tx1"/>
+                </a:solidFill>
+                <a:latin typeface="+mn-lt"/>
+                <a:ea typeface="+mn-ea"/>
+                <a:cs typeface="+mn-cs"/>
+              </a:rPr>
+              <a:t>, of imitative origin; related to </a:t>
+            </a:r>
+            <a:r>
+              <a:rPr lang="en-US" sz="1200" b="0" i="0" kern="1200" dirty="0" err="1" smtClean="0">
+                <a:solidFill>
+                  <a:schemeClr val="tx1"/>
+                </a:solidFill>
+                <a:latin typeface="+mn-lt"/>
+                <a:ea typeface="+mn-ea"/>
+                <a:cs typeface="+mn-cs"/>
+              </a:rPr>
+              <a:t>German</a:t>
+            </a:r>
+            <a:r>
+              <a:rPr lang="en-US" sz="1200" b="0" i="1" kern="1200" dirty="0" err="1" smtClean="0">
+                <a:solidFill>
+                  <a:schemeClr val="tx1"/>
+                </a:solidFill>
+                <a:latin typeface="+mn-lt"/>
+                <a:ea typeface="+mn-ea"/>
+                <a:cs typeface="+mn-cs"/>
+              </a:rPr>
+              <a:t>Turteltaube</a:t>
+            </a:r>
+            <a:endParaRPr lang="en-US" sz="1200" b="0" i="0" kern="1200" dirty="0" smtClean="0">
+              <a:solidFill>
+                <a:schemeClr val="tx1"/>
+              </a:solidFill>
+              <a:latin typeface="+mn-lt"/>
+              <a:ea typeface="+mn-ea"/>
+              <a:cs typeface="+mn-cs"/>
+            </a:endParaRPr>
+          </a:p>
+          <a:p>
+            <a:endParaRPr lang="en-US" dirty="0"/>
+          </a:p>
+        </p:txBody>
+      </p:sp>
+      <p:sp>
+        <p:nvSpPr>
+          <p:cNvPr id="4" name="Slide Number Placeholder 3"/>
+          <p:cNvSpPr>
+            <a:spLocks noGrp="1"/>
+          </p:cNvSpPr>
+          <p:nvPr>
+            <p:ph type="sldNum" sz="quarter" idx="10"/>
+          </p:nvPr>
+        </p:nvSpPr>
+        <p:spPr/>
+        <p:txBody>
+          <a:bodyPr/>
+          <a:lstStyle/>
+          <a:p>
+            <a:fld id="{9EAAA47A-7438-4B28-A78E-7057BF42F615}" type="slidenum">
+              <a:rPr lang="en-US" smtClean="0"/>
+              <a:pPr/>
+              <a:t>1</a:t>
+            </a:fld>
+            <a:endParaRPr lang="en-US"/>
+          </a:p>
+        </p:txBody>
+      </p:sp>
+    </p:spTree>
+  </p:cSld>
+  <p:clrMapOvr>
+    <a:masterClrMapping/>
+  </p:clrMapOvr>
+</p:notes>
+</file>
+
+<file path=ppt/notesSlides/notesSlide2.xml><?xml version="1.0" encoding="utf-8"?>
+<p:notes xmlns:a="http://schemas.openxmlformats.org/drawingml/2006/main" xmlns:r="http://schemas.openxmlformats.org/officeDocument/2006/relationships" xmlns:p="http://schemas.openxmlformats.org/presentationml/2006/main">
+  <p:cSld>
+    <p:spTree>
+      <p:nvGrpSpPr>
+        <p:cNvPr id="1" name=""/>
+        <p:cNvGrpSpPr/>
+        <p:nvPr/>
+      </p:nvGrpSpPr>
+      <p:grpSpPr>
+        <a:xfrm>
+          <a:off x="0" y="0"/>
+          <a:ext cx="0" cy="0"/>
+          <a:chOff x="0" y="0"/>
+          <a:chExt cx="0" cy="0"/>
+        </a:xfrm>
+      </p:grpSpPr>
+      <p:sp>
+        <p:nvSpPr>
+          <p:cNvPr id="2" name="Slide Image Placeholder 1"/>
+          <p:cNvSpPr>
+            <a:spLocks noGrp="1" noRot="1" noChangeAspect="1"/>
+          </p:cNvSpPr>
+          <p:nvPr>
+            <p:ph type="sldImg"/>
+          </p:nvPr>
+        </p:nvSpPr>
+        <p:spPr/>
+      </p:sp>
+      <p:sp>
+        <p:nvSpPr>
+          <p:cNvPr id="3" name="Notes Placeholder 2"/>
+          <p:cNvSpPr>
+            <a:spLocks noGrp="1"/>
+          </p:cNvSpPr>
+          <p:nvPr>
+            <p:ph type="body" idx="1"/>
+          </p:nvPr>
+        </p:nvSpPr>
+        <p:spPr/>
+        <p:txBody>
+          <a:bodyPr>
+            <a:normAutofit/>
+          </a:bodyPr>
+          <a:lstStyle/>
+          <a:p>
+            <a:r>
+              <a:rPr lang="en-US" dirty="0" smtClean="0"/>
               <a:t>- Be able to detect</a:t>
             </a:r>
             <a:r>
@@ -535,7 +732,329 @@
           <a:p>
             <a:fld id="{9EAAA47A-7438-4B28-A78E-7057BF42F615}" type="slidenum">
               <a:rPr lang="en-US" smtClean="0"/>
+              <a:pPr/>
               <a:t>2</a:t>
+            </a:fld>
+            <a:endParaRPr lang="en-US"/>
+          </a:p>
+        </p:txBody>
+      </p:sp>
+    </p:spTree>
+  </p:cSld>
+  <p:clrMapOvr>
+    <a:masterClrMapping/>
+  </p:clrMapOvr>
+</p:notes>
+</file>
+
+<file path=ppt/notesSlides/notesSlide3.xml><?xml version="1.0" encoding="utf-8"?>
+<p:notes xmlns:a="http://schemas.openxmlformats.org/drawingml/2006/main" xmlns:r="http://schemas.openxmlformats.org/officeDocument/2006/relationships" xmlns:p="http://schemas.openxmlformats.org/presentationml/2006/main">
+  <p:cSld>
+    <p:spTree>
+      <p:nvGrpSpPr>
+        <p:cNvPr id="1" name=""/>
+        <p:cNvGrpSpPr/>
+        <p:nvPr/>
+      </p:nvGrpSpPr>
+      <p:grpSpPr>
+        <a:xfrm>
+          <a:off x="0" y="0"/>
+          <a:ext cx="0" cy="0"/>
+          <a:chOff x="0" y="0"/>
+          <a:chExt cx="0" cy="0"/>
+        </a:xfrm>
+      </p:grpSpPr>
+      <p:sp>
+        <p:nvSpPr>
+          <p:cNvPr id="2" name="Slide Image Placeholder 1"/>
+          <p:cNvSpPr>
+            <a:spLocks noGrp="1" noRot="1" noChangeAspect="1"/>
+          </p:cNvSpPr>
+          <p:nvPr>
+            <p:ph type="sldImg"/>
+          </p:nvPr>
+        </p:nvSpPr>
+        <p:spPr/>
+      </p:sp>
+      <p:sp>
+        <p:nvSpPr>
+          <p:cNvPr id="3" name="Notes Placeholder 2"/>
+          <p:cNvSpPr>
+            <a:spLocks noGrp="1"/>
+          </p:cNvSpPr>
+          <p:nvPr>
+            <p:ph type="body" idx="1"/>
+          </p:nvPr>
+        </p:nvSpPr>
+        <p:spPr/>
+        <p:txBody>
+          <a:bodyPr>
+            <a:normAutofit/>
+          </a:bodyPr>
+          <a:lstStyle/>
+          <a:p>
+            <a:pPr marL="228600" indent="-228600">
+              <a:buFont typeface="+mj-lt"/>
+              <a:buAutoNum type="arabicPeriod"/>
+            </a:pPr>
+            <a:r>
+              <a:rPr lang="en-US" dirty="0" err="1" smtClean="0"/>
+              <a:t>PDLsapp</a:t>
+            </a:r>
+            <a:r>
+              <a:rPr lang="en-US" dirty="0" smtClean="0"/>
+              <a:t> (–</a:t>
+            </a:r>
+            <a:r>
+              <a:rPr lang="en-US" dirty="0" err="1" smtClean="0"/>
+              <a:t>finstrument</a:t>
+            </a:r>
+            <a:r>
+              <a:rPr lang="en-US" dirty="0" smtClean="0"/>
+              <a:t>-functions compile flag)</a:t>
+            </a:r>
+          </a:p>
+          <a:p>
+            <a:pPr marL="228600" indent="-228600">
+              <a:buFont typeface="+mj-lt"/>
+              <a:buAutoNum type="arabicPeriod"/>
+            </a:pPr>
+            <a:r>
+              <a:rPr lang="en-US" dirty="0" smtClean="0"/>
+              <a:t>Scripts (turtle.sh and etrace.pl)</a:t>
+            </a:r>
+          </a:p>
+          <a:p>
+            <a:pPr marL="228600" indent="-228600">
+              <a:buFont typeface="+mj-lt"/>
+              <a:buAutoNum type="arabicPeriod"/>
+            </a:pPr>
+            <a:r>
+              <a:rPr lang="en-US" dirty="0" smtClean="0"/>
+              <a:t>Log parser (DB importer)</a:t>
+            </a:r>
+          </a:p>
+          <a:p>
+            <a:pPr marL="228600" indent="-228600">
+              <a:buFont typeface="+mj-lt"/>
+              <a:buAutoNum type="arabicPeriod"/>
+            </a:pPr>
+            <a:r>
+              <a:rPr lang="en-US" dirty="0" smtClean="0"/>
+              <a:t>Front-end UI (web-system)</a:t>
+            </a:r>
+          </a:p>
+          <a:p>
+            <a:endParaRPr lang="en-US" dirty="0" smtClean="0"/>
+          </a:p>
+          <a:p>
+            <a:r>
+              <a:rPr lang="en-US" dirty="0" smtClean="0"/>
+              <a:t>nm</a:t>
+            </a:r>
+            <a:r>
+              <a:rPr lang="en-US" sz="1200" b="0" i="0" kern="1200" dirty="0" smtClean="0">
+                <a:solidFill>
+                  <a:schemeClr val="tx1"/>
+                </a:solidFill>
+                <a:latin typeface="+mn-lt"/>
+                <a:ea typeface="+mn-ea"/>
+                <a:cs typeface="+mn-cs"/>
+              </a:rPr>
+              <a:t> is used to examine </a:t>
+            </a:r>
+            <a:r>
+              <a:rPr lang="en-US" sz="1200" b="0" i="0" u="none" strike="noStrike" kern="1200" dirty="0" smtClean="0">
+                <a:solidFill>
+                  <a:schemeClr val="tx1"/>
+                </a:solidFill>
+                <a:latin typeface="+mn-lt"/>
+                <a:ea typeface="+mn-ea"/>
+                <a:cs typeface="+mn-cs"/>
+                <a:hlinkClick r:id="rId3" tooltip="Binary file"/>
+              </a:rPr>
+              <a:t>binary files</a:t>
+            </a:r>
+            <a:r>
+              <a:rPr lang="en-US" sz="1200" b="0" i="0" kern="1200" dirty="0" smtClean="0">
+                <a:solidFill>
+                  <a:schemeClr val="tx1"/>
+                </a:solidFill>
+                <a:latin typeface="+mn-lt"/>
+                <a:ea typeface="+mn-ea"/>
+                <a:cs typeface="+mn-cs"/>
+              </a:rPr>
+              <a:t> (including </a:t>
+            </a:r>
+            <a:r>
+              <a:rPr lang="en-US" sz="1200" b="0" i="0" u="none" strike="noStrike" kern="1200" dirty="0" smtClean="0">
+                <a:solidFill>
+                  <a:schemeClr val="tx1"/>
+                </a:solidFill>
+                <a:latin typeface="+mn-lt"/>
+                <a:ea typeface="+mn-ea"/>
+                <a:cs typeface="+mn-cs"/>
+                <a:hlinkClick r:id="rId4" tooltip="Library (computing)"/>
+              </a:rPr>
+              <a:t>libraries</a:t>
+            </a:r>
+            <a:r>
+              <a:rPr lang="en-US" sz="1200" b="0" i="0" kern="1200" dirty="0" smtClean="0">
+                <a:solidFill>
+                  <a:schemeClr val="tx1"/>
+                </a:solidFill>
+                <a:latin typeface="+mn-lt"/>
+                <a:ea typeface="+mn-ea"/>
+                <a:cs typeface="+mn-cs"/>
+              </a:rPr>
+              <a:t>, compiled </a:t>
+            </a:r>
+            <a:r>
+              <a:rPr lang="en-US" sz="1200" b="0" i="0" u="none" strike="noStrike" kern="1200" dirty="0" smtClean="0">
+                <a:solidFill>
+                  <a:schemeClr val="tx1"/>
+                </a:solidFill>
+                <a:latin typeface="+mn-lt"/>
+                <a:ea typeface="+mn-ea"/>
+                <a:cs typeface="+mn-cs"/>
+                <a:hlinkClick r:id="rId5" tooltip="Object file"/>
+              </a:rPr>
+              <a:t>object modules</a:t>
+            </a:r>
+            <a:r>
+              <a:rPr lang="en-US" sz="1200" b="0" i="0" kern="1200" dirty="0" smtClean="0">
+                <a:solidFill>
+                  <a:schemeClr val="tx1"/>
+                </a:solidFill>
+                <a:latin typeface="+mn-lt"/>
+                <a:ea typeface="+mn-ea"/>
+                <a:cs typeface="+mn-cs"/>
+              </a:rPr>
+              <a:t>, shared-object files, and standalone </a:t>
+            </a:r>
+            <a:r>
+              <a:rPr lang="en-US" sz="1200" b="0" i="0" u="none" strike="noStrike" kern="1200" dirty="0" smtClean="0">
+                <a:solidFill>
+                  <a:schemeClr val="tx1"/>
+                </a:solidFill>
+                <a:latin typeface="+mn-lt"/>
+                <a:ea typeface="+mn-ea"/>
+                <a:cs typeface="+mn-cs"/>
+                <a:hlinkClick r:id="rId6" tooltip="Executable"/>
+              </a:rPr>
+              <a:t>executables</a:t>
+            </a:r>
+            <a:r>
+              <a:rPr lang="en-US" sz="1200" b="0" i="0" kern="1200" dirty="0" smtClean="0">
+                <a:solidFill>
+                  <a:schemeClr val="tx1"/>
+                </a:solidFill>
+                <a:latin typeface="+mn-lt"/>
+                <a:ea typeface="+mn-ea"/>
+                <a:cs typeface="+mn-cs"/>
+              </a:rPr>
+              <a:t>) and to display the contents of those files, or </a:t>
+            </a:r>
+            <a:r>
+              <a:rPr lang="en-US" sz="1200" b="0" i="0" u="none" strike="noStrike" kern="1200" dirty="0" smtClean="0">
+                <a:solidFill>
+                  <a:schemeClr val="tx1"/>
+                </a:solidFill>
+                <a:latin typeface="+mn-lt"/>
+                <a:ea typeface="+mn-ea"/>
+                <a:cs typeface="+mn-cs"/>
+                <a:hlinkClick r:id="rId7" tooltip="Metadata"/>
+              </a:rPr>
+              <a:t>meta information</a:t>
+            </a:r>
+            <a:r>
+              <a:rPr lang="en-US" sz="1200" b="0" i="0" kern="1200" dirty="0" smtClean="0">
+                <a:solidFill>
+                  <a:schemeClr val="tx1"/>
+                </a:solidFill>
+                <a:latin typeface="+mn-lt"/>
+                <a:ea typeface="+mn-ea"/>
+                <a:cs typeface="+mn-cs"/>
+              </a:rPr>
+              <a:t> stored in them, specifically the </a:t>
+            </a:r>
+            <a:r>
+              <a:rPr lang="en-US" sz="1200" b="0" i="0" u="none" strike="noStrike" kern="1200" dirty="0" smtClean="0">
+                <a:solidFill>
+                  <a:schemeClr val="tx1"/>
+                </a:solidFill>
+                <a:latin typeface="+mn-lt"/>
+                <a:ea typeface="+mn-ea"/>
+                <a:cs typeface="+mn-cs"/>
+                <a:hlinkClick r:id="rId8" tooltip="Symbol table"/>
+              </a:rPr>
+              <a:t>symbol table</a:t>
+            </a:r>
+            <a:r>
+              <a:rPr lang="en-US" sz="1200" b="0" i="0" kern="1200" dirty="0" smtClean="0">
+                <a:solidFill>
+                  <a:schemeClr val="tx1"/>
+                </a:solidFill>
+                <a:latin typeface="+mn-lt"/>
+                <a:ea typeface="+mn-ea"/>
+                <a:cs typeface="+mn-cs"/>
+              </a:rPr>
+              <a:t>.</a:t>
+            </a:r>
+          </a:p>
+          <a:p>
+            <a:endParaRPr lang="en-US" sz="1200" b="0" i="0" kern="1200" dirty="0" smtClean="0">
+              <a:solidFill>
+                <a:schemeClr val="tx1"/>
+              </a:solidFill>
+              <a:latin typeface="+mn-lt"/>
+              <a:ea typeface="+mn-ea"/>
+              <a:cs typeface="+mn-cs"/>
+            </a:endParaRPr>
+          </a:p>
+          <a:p>
+            <a:r>
+              <a:rPr lang="en-US" dirty="0" err="1" smtClean="0"/>
+              <a:t>finstrument</a:t>
+            </a:r>
+            <a:r>
+              <a:rPr lang="en-US" dirty="0" smtClean="0"/>
+              <a:t>-functions:</a:t>
+            </a:r>
+          </a:p>
+          <a:p>
+            <a:r>
+              <a:rPr lang="en-US" dirty="0" smtClean="0"/>
+              <a:t>     https://gcc.gnu.org/onlinedocs/gcc-4.3.4/gcc/Code-Gen-Options.html </a:t>
+            </a:r>
+          </a:p>
+          <a:p>
+            <a:endParaRPr lang="en-US" dirty="0" smtClean="0"/>
+          </a:p>
+          <a:p>
+            <a:endParaRPr lang="en-US" dirty="0"/>
+          </a:p>
+        </p:txBody>
+      </p:sp>
+      <p:sp>
+        <p:nvSpPr>
+          <p:cNvPr id="4" name="Slide Number Placeholder 3"/>
+          <p:cNvSpPr>
+            <a:spLocks noGrp="1"/>
+          </p:cNvSpPr>
+          <p:nvPr>
+            <p:ph type="sldNum" sz="quarter" idx="10"/>
+          </p:nvPr>
+        </p:nvSpPr>
+        <p:spPr/>
+        <p:txBody>
+          <a:bodyPr/>
+          <a:lstStyle/>
+          <a:p>
+            <a:fld id="{9EAAA47A-7438-4B28-A78E-7057BF42F615}" type="slidenum">
+              <a:rPr lang="en-US" smtClean="0"/>
+              <a:pPr/>
+              <a:t>3</a:t>
             </a:fld>
             <a:endParaRPr lang="en-US"/>
           </a:p>
@@ -730,7 +1249,8 @@
           <a:p>
             <a:fld id="{A2977C27-B067-41C3-A134-2EEC22F52C6D}" type="datetimeFigureOut">
               <a:rPr lang="en-US" smtClean="0"/>
-              <a:t>2/16/2016</a:t>
+              <a:pPr/>
+              <a:t>3/4/2016</a:t>
             </a:fld>
             <a:endParaRPr lang="en-US"/>
           </a:p>
@@ -772,6 +1292,7 @@
           <a:p>
             <a:fld id="{AEF7E044-2E72-4DFE-9E39-1E6368FD32B0}" type="slidenum">
               <a:rPr lang="en-US" smtClean="0"/>
+              <a:pPr/>
               <a:t>‹#›</a:t>
             </a:fld>
             <a:endParaRPr lang="en-US"/>
@@ -895,7 +1416,8 @@
           <a:p>
             <a:fld id="{A2977C27-B067-41C3-A134-2EEC22F52C6D}" type="datetimeFigureOut">
               <a:rPr lang="en-US" smtClean="0"/>
-              <a:t>2/16/2016</a:t>
+              <a:pPr/>
+              <a:t>3/4/2016</a:t>
             </a:fld>
             <a:endParaRPr lang="en-US"/>
           </a:p>
@@ -937,6 +1459,7 @@
           <a:p>
             <a:fld id="{AEF7E044-2E72-4DFE-9E39-1E6368FD32B0}" type="slidenum">
               <a:rPr lang="en-US" smtClean="0"/>
+              <a:pPr/>
               <a:t>‹#›</a:t>
             </a:fld>
             <a:endParaRPr lang="en-US"/>
@@ -1070,7 +1593,8 @@
           <a:p>
             <a:fld id="{A2977C27-B067-41C3-A134-2EEC22F52C6D}" type="datetimeFigureOut">
               <a:rPr lang="en-US" smtClean="0"/>
-              <a:t>2/16/2016</a:t>
+              <a:pPr/>
+              <a:t>3/4/2016</a:t>
             </a:fld>
             <a:endParaRPr lang="en-US"/>
           </a:p>
@@ -1112,6 +1636,7 @@
           <a:p>
             <a:fld id="{AEF7E044-2E72-4DFE-9E39-1E6368FD32B0}" type="slidenum">
               <a:rPr lang="en-US" smtClean="0"/>
+              <a:pPr/>
               <a:t>‹#›</a:t>
             </a:fld>
             <a:endParaRPr lang="en-US"/>
@@ -1235,7 +1760,8 @@
           <a:p>
             <a:fld id="{A2977C27-B067-41C3-A134-2EEC22F52C6D}" type="datetimeFigureOut">
               <a:rPr lang="en-US" smtClean="0"/>
-              <a:t>2/16/2016</a:t>
+              <a:pPr/>
+              <a:t>3/4/2016</a:t>
             </a:fld>
             <a:endParaRPr lang="en-US"/>
           </a:p>
@@ -1277,6 +1803,7 @@
           <a:p>
             <a:fld id="{AEF7E044-2E72-4DFE-9E39-1E6368FD32B0}" type="slidenum">
               <a:rPr lang="en-US" smtClean="0"/>
+              <a:pPr/>
               <a:t>‹#›</a:t>
             </a:fld>
             <a:endParaRPr lang="en-US"/>
@@ -1476,7 +2003,8 @@
           <a:p>
             <a:fld id="{A2977C27-B067-41C3-A134-2EEC22F52C6D}" type="datetimeFigureOut">
               <a:rPr lang="en-US" smtClean="0"/>
-              <a:t>2/16/2016</a:t>
+              <a:pPr/>
+              <a:t>3/4/2016</a:t>
             </a:fld>
             <a:endParaRPr lang="en-US"/>
           </a:p>
@@ -1518,6 +2046,7 @@
           <a:p>
             <a:fld id="{AEF7E044-2E72-4DFE-9E39-1E6368FD32B0}" type="slidenum">
               <a:rPr lang="en-US" smtClean="0"/>
+              <a:pPr/>
               <a:t>‹#›</a:t>
             </a:fld>
             <a:endParaRPr lang="en-US"/>
@@ -1759,7 +2288,8 @@
           <a:p>
             <a:fld id="{A2977C27-B067-41C3-A134-2EEC22F52C6D}" type="datetimeFigureOut">
               <a:rPr lang="en-US" smtClean="0"/>
-              <a:t>2/16/2016</a:t>
+              <a:pPr/>
+              <a:t>3/4/2016</a:t>
             </a:fld>
             <a:endParaRPr lang="en-US"/>
           </a:p>
@@ -1801,6 +2331,7 @@
           <a:p>
             <a:fld id="{AEF7E044-2E72-4DFE-9E39-1E6368FD32B0}" type="slidenum">
               <a:rPr lang="en-US" smtClean="0"/>
+              <a:pPr/>
               <a:t>‹#›</a:t>
             </a:fld>
             <a:endParaRPr lang="en-US"/>
@@ -2176,7 +2707,8 @@
           <a:p>
             <a:fld id="{A2977C27-B067-41C3-A134-2EEC22F52C6D}" type="datetimeFigureOut">
               <a:rPr lang="en-US" smtClean="0"/>
-              <a:t>2/16/2016</a:t>
+              <a:pPr/>
+              <a:t>3/4/2016</a:t>
             </a:fld>
             <a:endParaRPr lang="en-US"/>
           </a:p>
@@ -2218,6 +2750,7 @@
           <a:p>
             <a:fld id="{AEF7E044-2E72-4DFE-9E39-1E6368FD32B0}" type="slidenum">
               <a:rPr lang="en-US" smtClean="0"/>
+              <a:pPr/>
               <a:t>‹#›</a:t>
             </a:fld>
             <a:endParaRPr lang="en-US"/>
@@ -2289,7 +2822,8 @@
           <a:p>
             <a:fld id="{A2977C27-B067-41C3-A134-2EEC22F52C6D}" type="datetimeFigureOut">
               <a:rPr lang="en-US" smtClean="0"/>
-              <a:t>2/16/2016</a:t>
+              <a:pPr/>
+              <a:t>3/4/2016</a:t>
             </a:fld>
             <a:endParaRPr lang="en-US"/>
           </a:p>
@@ -2331,6 +2865,7 @@
           <a:p>
             <a:fld id="{AEF7E044-2E72-4DFE-9E39-1E6368FD32B0}" type="slidenum">
               <a:rPr lang="en-US" smtClean="0"/>
+              <a:pPr/>
               <a:t>‹#›</a:t>
             </a:fld>
             <a:endParaRPr lang="en-US"/>
@@ -2379,7 +2914,8 @@
           <a:p>
             <a:fld id="{A2977C27-B067-41C3-A134-2EEC22F52C6D}" type="datetimeFigureOut">
               <a:rPr lang="en-US" smtClean="0"/>
-              <a:t>2/16/2016</a:t>
+              <a:pPr/>
+              <a:t>3/4/2016</a:t>
             </a:fld>
             <a:endParaRPr lang="en-US"/>
           </a:p>
@@ -2421,6 +2957,7 @@
           <a:p>
             <a:fld id="{AEF7E044-2E72-4DFE-9E39-1E6368FD32B0}" type="slidenum">
               <a:rPr lang="en-US" smtClean="0"/>
+              <a:pPr/>
               <a:t>‹#›</a:t>
             </a:fld>
             <a:endParaRPr lang="en-US"/>
@@ -2651,7 +3188,8 @@
           <a:p>
             <a:fld id="{A2977C27-B067-41C3-A134-2EEC22F52C6D}" type="datetimeFigureOut">
               <a:rPr lang="en-US" smtClean="0"/>
-              <a:t>2/16/2016</a:t>
+              <a:pPr/>
+              <a:t>3/4/2016</a:t>
             </a:fld>
             <a:endParaRPr lang="en-US"/>
           </a:p>
@@ -2693,6 +3231,7 @@
           <a:p>
             <a:fld id="{AEF7E044-2E72-4DFE-9E39-1E6368FD32B0}" type="slidenum">
               <a:rPr lang="en-US" smtClean="0"/>
+              <a:pPr/>
               <a:t>‹#›</a:t>
             </a:fld>
             <a:endParaRPr lang="en-US"/>
@@ -2899,7 +3438,8 @@
           <a:p>
             <a:fld id="{A2977C27-B067-41C3-A134-2EEC22F52C6D}" type="datetimeFigureOut">
               <a:rPr lang="en-US" smtClean="0"/>
-              <a:t>2/16/2016</a:t>
+              <a:pPr/>
+              <a:t>3/4/2016</a:t>
             </a:fld>
             <a:endParaRPr lang="en-US"/>
           </a:p>
@@ -2941,6 +3481,7 @@
           <a:p>
             <a:fld id="{AEF7E044-2E72-4DFE-9E39-1E6368FD32B0}" type="slidenum">
               <a:rPr lang="en-US" smtClean="0"/>
+              <a:pPr/>
               <a:t>‹#›</a:t>
             </a:fld>
             <a:endParaRPr lang="en-US"/>
@@ -3107,7 +3648,8 @@
           <a:p>
             <a:fld id="{A2977C27-B067-41C3-A134-2EEC22F52C6D}" type="datetimeFigureOut">
               <a:rPr lang="en-US" smtClean="0"/>
-              <a:t>2/16/2016</a:t>
+              <a:pPr/>
+              <a:t>3/4/2016</a:t>
             </a:fld>
             <a:endParaRPr lang="en-US"/>
           </a:p>
@@ -3185,6 +3727,7 @@
           <a:p>
             <a:fld id="{AEF7E044-2E72-4DFE-9E39-1E6368FD32B0}" type="slidenum">
               <a:rPr lang="en-US" smtClean="0"/>
+              <a:pPr/>
               <a:t>‹#›</a:t>
             </a:fld>
             <a:endParaRPr lang="en-US"/>
@@ -3494,7 +4037,15 @@
           <a:p>
             <a:r>
               <a:rPr lang="en-US" dirty="0" smtClean="0"/>
-              <a:t>Turtle</a:t>
+              <a:t>Turtle [</a:t>
+            </a:r>
+            <a:r>
+              <a:rPr lang="en-US" b="1" dirty="0" err="1" smtClean="0"/>
+              <a:t>tur</a:t>
+            </a:r>
+            <a:r>
+              <a:rPr lang="en-US" dirty="0" smtClean="0"/>
+              <a:t>-tool]</a:t>
             </a:r>
             <a:endParaRPr lang="en-US" dirty="0"/>
           </a:p>
@@ -3517,19 +4068,7 @@
           <a:p>
             <a:r>
               <a:rPr lang="en-US" dirty="0" smtClean="0"/>
-              <a:t>A </a:t>
-            </a:r>
-            <a:r>
-              <a:rPr lang="en-US" dirty="0" err="1"/>
-              <a:t>t</a:t>
-            </a:r>
-            <a:r>
-              <a:rPr lang="en-US" dirty="0" err="1" smtClean="0"/>
-              <a:t>estcase</a:t>
-            </a:r>
-            <a:r>
-              <a:rPr lang="en-US" dirty="0" smtClean="0"/>
-              <a:t> profiler, classifier, and cataloger</a:t>
+              <a:t>A test-case profiler, classifier, and cataloger</a:t>
             </a:r>
             <a:endParaRPr lang="en-US" dirty="0"/>
           </a:p>
@@ -3540,6 +4079,13 @@
   <p:clrMapOvr>
     <a:masterClrMapping/>
   </p:clrMapOvr>
+  <p:timing>
+    <p:tnLst>
+      <p:par>
+        <p:cTn id="1" dur="indefinite" restart="never" nodeType="tmRoot"/>
+      </p:par>
+    </p:tnLst>
+  </p:timing>
 </p:sld>
 </file>
 
@@ -3577,7 +4123,7 @@
           <a:p>
             <a:r>
               <a:rPr lang="en-US" dirty="0" smtClean="0"/>
-              <a:t>Tool Objective/Description</a:t>
+              <a:t>Features</a:t>
             </a:r>
             <a:endParaRPr lang="en-US" dirty="0"/>
           </a:p>
@@ -3595,46 +4141,84 @@
         </p:nvSpPr>
         <p:spPr/>
         <p:txBody>
-          <a:bodyPr/>
-          <a:lstStyle/>
-          <a:p>
+          <a:bodyPr>
+            <a:normAutofit fontScale="92500" lnSpcReduction="10000"/>
+          </a:bodyPr>
+          <a:lstStyle/>
+          <a:p>
+            <a:pPr marL="514350" indent="-514350">
+              <a:buFont typeface="+mj-lt"/>
+              <a:buAutoNum type="arabicPeriod"/>
+            </a:pPr>
             <a:r>
               <a:rPr lang="en-US" dirty="0" smtClean="0"/>
-              <a:t>A </a:t>
-            </a:r>
-            <a:r>
-              <a:rPr lang="en-US" dirty="0" err="1"/>
-              <a:t>testcase</a:t>
-            </a:r>
-            <a:r>
-              <a:rPr lang="en-US" dirty="0"/>
-              <a:t> classifier, profiler, </a:t>
-            </a:r>
+              <a:t>Lookup test-cases based on keyword/function name.</a:t>
+            </a:r>
+          </a:p>
+          <a:p>
+            <a:pPr marL="514350" indent="-514350">
+              <a:buFont typeface="+mj-lt"/>
+              <a:buAutoNum type="arabicPeriod"/>
+            </a:pPr>
             <a:r>
               <a:rPr lang="en-US" dirty="0" smtClean="0"/>
-              <a:t>cataloger </a:t>
-            </a:r>
-            <a:r>
-              <a:rPr lang="en-US" dirty="0"/>
-              <a:t>in relation to emulator's source code or technical </a:t>
-            </a:r>
+              <a:t>Test-case profile summary report</a:t>
+            </a:r>
+          </a:p>
+          <a:p>
+            <a:pPr marL="971550" lvl="1" indent="-514350"/>
             <a:r>
               <a:rPr lang="en-US" dirty="0" smtClean="0"/>
-              <a:t>keyword</a:t>
-            </a:r>
-          </a:p>
-          <a:p>
+              <a:t>Page checksums</a:t>
+            </a:r>
+          </a:p>
+          <a:p>
+            <a:pPr marL="971550" lvl="1" indent="-514350"/>
             <a:r>
               <a:rPr lang="en-US" dirty="0" smtClean="0"/>
-              <a:t>Quickly search </a:t>
-            </a:r>
-            <a:r>
-              <a:rPr lang="en-US" dirty="0" err="1" smtClean="0"/>
-              <a:t>testcases</a:t>
-            </a:r>
+              <a:t>Location</a:t>
+            </a:r>
+          </a:p>
+          <a:p>
+            <a:pPr marL="971550" lvl="1" indent="-514350"/>
             <a:r>
               <a:rPr lang="en-US" dirty="0" smtClean="0"/>
-              <a:t> based on keyword/function name.</a:t>
+              <a:t>Elapse time</a:t>
+            </a:r>
+          </a:p>
+          <a:p>
+            <a:pPr marL="971550" lvl="1" indent="-514350"/>
+            <a:r>
+              <a:rPr lang="en-US" smtClean="0"/>
+              <a:t>Code </a:t>
+            </a:r>
+            <a:r>
+              <a:rPr lang="en-US" smtClean="0"/>
+              <a:t>path/route </a:t>
+            </a:r>
+            <a:r>
+              <a:rPr lang="en-US" dirty="0" smtClean="0"/>
+              <a:t>(function invocation map)</a:t>
+            </a:r>
+          </a:p>
+          <a:p>
+            <a:pPr marL="514350" indent="-514350">
+              <a:buFont typeface="+mj-lt"/>
+              <a:buAutoNum type="arabicPeriod"/>
+            </a:pPr>
+            <a:r>
+              <a:rPr lang="en-US" dirty="0" smtClean="0"/>
+              <a:t>Test-case performance history (graph report)</a:t>
+            </a:r>
+          </a:p>
+          <a:p>
+            <a:pPr marL="514350" indent="-514350">
+              <a:buFont typeface="+mj-lt"/>
+              <a:buAutoNum type="arabicPeriod"/>
+            </a:pPr>
+            <a:r>
+              <a:rPr lang="en-US" dirty="0" smtClean="0"/>
+              <a:t>Unit test automation (detect test-case breakage)</a:t>
             </a:r>
           </a:p>
         </p:txBody>
@@ -3644,6 +4228,13 @@
   <p:clrMapOvr>
     <a:masterClrMapping/>
   </p:clrMapOvr>
+  <p:timing>
+    <p:tnLst>
+      <p:par>
+        <p:cTn id="1" dur="indefinite" restart="never" nodeType="tmRoot"/>
+      </p:par>
+    </p:tnLst>
+  </p:timing>
 </p:sld>
 </file>
 
@@ -3689,59 +4280,502 @@
       </p:sp>
       <p:sp>
         <p:nvSpPr>
-          <p:cNvPr id="7" name="Content Placeholder 6"/>
-          <p:cNvSpPr>
-            <a:spLocks noGrp="1"/>
-          </p:cNvSpPr>
-          <p:nvPr>
-            <p:ph idx="1"/>
-          </p:nvPr>
-        </p:nvSpPr>
-        <p:spPr/>
-        <p:txBody>
-          <a:bodyPr/>
-          <a:lstStyle/>
-          <a:p>
-            <a:r>
-              <a:rPr lang="en-US" dirty="0" err="1" smtClean="0"/>
+          <p:cNvPr id="11" name="Rectangle 10"/>
+          <p:cNvSpPr/>
+          <p:nvPr/>
+        </p:nvSpPr>
+        <p:spPr>
+          <a:xfrm>
+            <a:off x="1828800" y="4572000"/>
+            <a:ext cx="1905000" cy="1066800"/>
+          </a:xfrm>
+          <a:prstGeom prst="rect">
+            <a:avLst/>
+          </a:prstGeom>
+          <a:solidFill>
+            <a:schemeClr val="bg1"/>
+          </a:solidFill>
+        </p:spPr>
+        <p:style>
+          <a:lnRef idx="2">
+            <a:schemeClr val="accent1">
+              <a:shade val="50000"/>
+            </a:schemeClr>
+          </a:lnRef>
+          <a:fillRef idx="1">
+            <a:schemeClr val="accent1"/>
+          </a:fillRef>
+          <a:effectRef idx="0">
+            <a:schemeClr val="accent1"/>
+          </a:effectRef>
+          <a:fontRef idx="minor">
+            <a:schemeClr val="lt1"/>
+          </a:fontRef>
+        </p:style>
+        <p:txBody>
+          <a:bodyPr rtlCol="0" anchor="ctr" anchorCtr="1"/>
+          <a:lstStyle/>
+          <a:p>
+            <a:pPr algn="ctr"/>
+            <a:r>
+              <a:rPr lang="en-US" b="1" dirty="0" err="1" smtClean="0">
+                <a:solidFill>
+                  <a:schemeClr val="tx1"/>
+                </a:solidFill>
+              </a:rPr>
               <a:t>PDLsapp</a:t>
             </a:r>
-            <a:r>
-              <a:rPr lang="en-US" dirty="0" smtClean="0"/>
-              <a:t> (–</a:t>
-            </a:r>
-            <a:r>
-              <a:rPr lang="en-US" dirty="0" err="1" smtClean="0"/>
-              <a:t>finstrument</a:t>
-            </a:r>
-            <a:r>
-              <a:rPr lang="en-US" dirty="0" smtClean="0"/>
-              <a:t>-functions flag)</a:t>
-            </a:r>
-          </a:p>
-          <a:p>
-            <a:r>
-              <a:rPr lang="en-US" dirty="0" smtClean="0"/>
-              <a:t>Scripts (turtle.sh and etrace.pl)</a:t>
-            </a:r>
-          </a:p>
-          <a:p>
-            <a:r>
-              <a:rPr lang="en-US" dirty="0" smtClean="0"/>
-              <a:t>Log parser (DB importer)</a:t>
-            </a:r>
-          </a:p>
-          <a:p>
-            <a:r>
-              <a:rPr lang="en-US" dirty="0" smtClean="0"/>
-              <a:t>Front-end UI (web-system)</a:t>
-            </a:r>
-          </a:p>
-          <a:p>
-            <a:pPr>
-              <a:buNone/>
-            </a:pPr>
-            <a:endParaRPr lang="en-US" dirty="0"/>
+            <a:endParaRPr lang="en-US" b="1" dirty="0">
+              <a:solidFill>
+                <a:schemeClr val="tx1"/>
+              </a:solidFill>
+            </a:endParaRPr>
+          </a:p>
+        </p:txBody>
+      </p:sp>
+      <p:sp>
+        <p:nvSpPr>
+          <p:cNvPr id="12" name="Rectangle 11"/>
+          <p:cNvSpPr/>
+          <p:nvPr/>
+        </p:nvSpPr>
+        <p:spPr>
+          <a:xfrm>
+            <a:off x="1752600" y="1600200"/>
+            <a:ext cx="1905000" cy="1143000"/>
+          </a:xfrm>
+          <a:prstGeom prst="rect">
+            <a:avLst/>
+          </a:prstGeom>
+          <a:solidFill>
+            <a:schemeClr val="bg1"/>
+          </a:solidFill>
+        </p:spPr>
+        <p:style>
+          <a:lnRef idx="2">
+            <a:schemeClr val="accent1">
+              <a:shade val="50000"/>
+            </a:schemeClr>
+          </a:lnRef>
+          <a:fillRef idx="1">
+            <a:schemeClr val="accent1"/>
+          </a:fillRef>
+          <a:effectRef idx="0">
+            <a:schemeClr val="accent1"/>
+          </a:effectRef>
+          <a:fontRef idx="minor">
+            <a:schemeClr val="lt1"/>
+          </a:fontRef>
+        </p:style>
+        <p:txBody>
+          <a:bodyPr rtlCol="0" anchor="ctr" anchorCtr="1"/>
+          <a:lstStyle/>
+          <a:p>
+            <a:pPr algn="ctr"/>
+            <a:r>
+              <a:rPr lang="en-US" b="1" dirty="0" smtClean="0">
+                <a:solidFill>
+                  <a:schemeClr val="tx1"/>
+                </a:solidFill>
+              </a:rPr>
+              <a:t>Scripts</a:t>
+            </a:r>
+            <a:endParaRPr lang="en-US" b="1" dirty="0">
+              <a:solidFill>
+                <a:schemeClr val="tx1"/>
+              </a:solidFill>
+            </a:endParaRPr>
+          </a:p>
+        </p:txBody>
+      </p:sp>
+      <p:sp>
+        <p:nvSpPr>
+          <p:cNvPr id="13" name="Rectangle 12"/>
+          <p:cNvSpPr/>
+          <p:nvPr/>
+        </p:nvSpPr>
+        <p:spPr>
+          <a:xfrm>
+            <a:off x="5562600" y="1600200"/>
+            <a:ext cx="1905000" cy="1066800"/>
+          </a:xfrm>
+          <a:prstGeom prst="rect">
+            <a:avLst/>
+          </a:prstGeom>
+          <a:solidFill>
+            <a:schemeClr val="bg1"/>
+          </a:solidFill>
+        </p:spPr>
+        <p:style>
+          <a:lnRef idx="2">
+            <a:schemeClr val="accent1">
+              <a:shade val="50000"/>
+            </a:schemeClr>
+          </a:lnRef>
+          <a:fillRef idx="1">
+            <a:schemeClr val="accent1"/>
+          </a:fillRef>
+          <a:effectRef idx="0">
+            <a:schemeClr val="accent1"/>
+          </a:effectRef>
+          <a:fontRef idx="minor">
+            <a:schemeClr val="lt1"/>
+          </a:fontRef>
+        </p:style>
+        <p:txBody>
+          <a:bodyPr rtlCol="0" anchor="ctr" anchorCtr="1"/>
+          <a:lstStyle/>
+          <a:p>
+            <a:pPr algn="ctr"/>
+            <a:r>
+              <a:rPr lang="en-US" b="1" dirty="0" smtClean="0">
+                <a:solidFill>
+                  <a:schemeClr val="tx1"/>
+                </a:solidFill>
+              </a:rPr>
+              <a:t>Log Parser</a:t>
+            </a:r>
+            <a:endParaRPr lang="en-US" b="1" dirty="0">
+              <a:solidFill>
+                <a:schemeClr val="tx1"/>
+              </a:solidFill>
+            </a:endParaRPr>
+          </a:p>
+        </p:txBody>
+      </p:sp>
+      <p:sp>
+        <p:nvSpPr>
+          <p:cNvPr id="14" name="Rectangle 13"/>
+          <p:cNvSpPr/>
+          <p:nvPr/>
+        </p:nvSpPr>
+        <p:spPr>
+          <a:xfrm>
+            <a:off x="5562600" y="4648200"/>
+            <a:ext cx="1981200" cy="1066800"/>
+          </a:xfrm>
+          <a:prstGeom prst="rect">
+            <a:avLst/>
+          </a:prstGeom>
+          <a:solidFill>
+            <a:schemeClr val="bg1"/>
+          </a:solidFill>
+        </p:spPr>
+        <p:style>
+          <a:lnRef idx="2">
+            <a:schemeClr val="accent1">
+              <a:shade val="50000"/>
+            </a:schemeClr>
+          </a:lnRef>
+          <a:fillRef idx="1">
+            <a:schemeClr val="accent1"/>
+          </a:fillRef>
+          <a:effectRef idx="0">
+            <a:schemeClr val="accent1"/>
+          </a:effectRef>
+          <a:fontRef idx="minor">
+            <a:schemeClr val="lt1"/>
+          </a:fontRef>
+        </p:style>
+        <p:txBody>
+          <a:bodyPr rtlCol="0" anchor="ctr" anchorCtr="1"/>
+          <a:lstStyle/>
+          <a:p>
+            <a:pPr algn="ctr"/>
+            <a:r>
+              <a:rPr lang="en-US" b="1" dirty="0" smtClean="0">
+                <a:solidFill>
+                  <a:schemeClr val="tx1"/>
+                </a:solidFill>
+              </a:rPr>
+              <a:t>Front-End</a:t>
+            </a:r>
+          </a:p>
+          <a:p>
+            <a:pPr algn="ctr"/>
+            <a:r>
+              <a:rPr lang="en-US" b="1" dirty="0" smtClean="0">
+                <a:solidFill>
+                  <a:schemeClr val="tx1"/>
+                </a:solidFill>
+              </a:rPr>
+              <a:t>User Interface</a:t>
+            </a:r>
+            <a:endParaRPr lang="en-US" b="1" dirty="0">
+              <a:solidFill>
+                <a:schemeClr val="tx1"/>
+              </a:solidFill>
+            </a:endParaRPr>
+          </a:p>
+        </p:txBody>
+      </p:sp>
+      <p:sp>
+        <p:nvSpPr>
+          <p:cNvPr id="15" name="Up-Down Arrow 14"/>
+          <p:cNvSpPr/>
+          <p:nvPr/>
+        </p:nvSpPr>
+        <p:spPr>
+          <a:xfrm>
+            <a:off x="2514600" y="3048000"/>
+            <a:ext cx="484632" cy="1216152"/>
+          </a:xfrm>
+          <a:prstGeom prst="upDownArrow">
+            <a:avLst/>
+          </a:prstGeom>
+          <a:solidFill>
+            <a:schemeClr val="accent3"/>
+          </a:solidFill>
+        </p:spPr>
+        <p:style>
+          <a:lnRef idx="2">
+            <a:schemeClr val="accent1">
+              <a:shade val="50000"/>
+            </a:schemeClr>
+          </a:lnRef>
+          <a:fillRef idx="1">
+            <a:schemeClr val="accent1"/>
+          </a:fillRef>
+          <a:effectRef idx="0">
+            <a:schemeClr val="accent1"/>
+          </a:effectRef>
+          <a:fontRef idx="minor">
+            <a:schemeClr val="lt1"/>
+          </a:fontRef>
+        </p:style>
+        <p:txBody>
+          <a:bodyPr rtlCol="0" anchor="ctr"/>
+          <a:lstStyle/>
+          <a:p>
+            <a:pPr algn="ctr"/>
+            <a:endParaRPr lang="en-US"/>
+          </a:p>
+        </p:txBody>
+      </p:sp>
+      <p:sp>
+        <p:nvSpPr>
+          <p:cNvPr id="16" name="Striped Right Arrow 15"/>
+          <p:cNvSpPr/>
+          <p:nvPr/>
+        </p:nvSpPr>
+        <p:spPr>
+          <a:xfrm>
+            <a:off x="4038600" y="1905000"/>
+            <a:ext cx="978408" cy="484632"/>
+          </a:xfrm>
+          <a:prstGeom prst="stripedRightArrow">
+            <a:avLst/>
+          </a:prstGeom>
+          <a:solidFill>
+            <a:schemeClr val="accent3"/>
+          </a:solidFill>
+        </p:spPr>
+        <p:style>
+          <a:lnRef idx="2">
+            <a:schemeClr val="accent1">
+              <a:shade val="50000"/>
+            </a:schemeClr>
+          </a:lnRef>
+          <a:fillRef idx="1">
+            <a:schemeClr val="accent1"/>
+          </a:fillRef>
+          <a:effectRef idx="0">
+            <a:schemeClr val="accent1"/>
+          </a:effectRef>
+          <a:fontRef idx="minor">
+            <a:schemeClr val="lt1"/>
+          </a:fontRef>
+        </p:style>
+        <p:txBody>
+          <a:bodyPr rtlCol="0" anchor="ctr"/>
+          <a:lstStyle/>
+          <a:p>
+            <a:pPr algn="ctr"/>
+            <a:endParaRPr lang="en-US"/>
+          </a:p>
+        </p:txBody>
+      </p:sp>
+      <p:sp>
+        <p:nvSpPr>
+          <p:cNvPr id="17" name="Flowchart: Magnetic Disk 16"/>
+          <p:cNvSpPr/>
+          <p:nvPr/>
+        </p:nvSpPr>
+        <p:spPr>
+          <a:xfrm>
+            <a:off x="6096000" y="3349752"/>
+            <a:ext cx="914400" cy="612648"/>
+          </a:xfrm>
+          <a:prstGeom prst="flowChartMagneticDisk">
+            <a:avLst/>
+          </a:prstGeom>
+          <a:solidFill>
+            <a:schemeClr val="bg2"/>
+          </a:solidFill>
+        </p:spPr>
+        <p:style>
+          <a:lnRef idx="2">
+            <a:schemeClr val="accent1">
+              <a:shade val="50000"/>
+            </a:schemeClr>
+          </a:lnRef>
+          <a:fillRef idx="1">
+            <a:schemeClr val="accent1"/>
+          </a:fillRef>
+          <a:effectRef idx="0">
+            <a:schemeClr val="accent1"/>
+          </a:effectRef>
+          <a:fontRef idx="minor">
+            <a:schemeClr val="lt1"/>
+          </a:fontRef>
+        </p:style>
+        <p:txBody>
+          <a:bodyPr rtlCol="0" anchor="ctr"/>
+          <a:lstStyle/>
+          <a:p>
+            <a:pPr algn="ctr"/>
+            <a:r>
+              <a:rPr lang="en-US" b="1" dirty="0" smtClean="0">
+                <a:solidFill>
+                  <a:schemeClr val="tx1"/>
+                </a:solidFill>
+              </a:rPr>
+              <a:t>DB</a:t>
+            </a:r>
+            <a:endParaRPr lang="en-US" b="1" dirty="0">
+              <a:solidFill>
+                <a:schemeClr val="tx1"/>
+              </a:solidFill>
+            </a:endParaRPr>
+          </a:p>
+        </p:txBody>
+      </p:sp>
+      <p:sp>
+        <p:nvSpPr>
+          <p:cNvPr id="18" name="Striped Right Arrow 17"/>
+          <p:cNvSpPr/>
+          <p:nvPr/>
+        </p:nvSpPr>
+        <p:spPr>
+          <a:xfrm rot="5400000">
+            <a:off x="6268212" y="2799588"/>
+            <a:ext cx="551688" cy="438912"/>
+          </a:xfrm>
+          <a:prstGeom prst="stripedRightArrow">
+            <a:avLst/>
+          </a:prstGeom>
+          <a:solidFill>
+            <a:schemeClr val="accent3"/>
+          </a:solidFill>
+        </p:spPr>
+        <p:style>
+          <a:lnRef idx="2">
+            <a:schemeClr val="accent1">
+              <a:shade val="50000"/>
+            </a:schemeClr>
+          </a:lnRef>
+          <a:fillRef idx="1">
+            <a:schemeClr val="accent1"/>
+          </a:fillRef>
+          <a:effectRef idx="0">
+            <a:schemeClr val="accent1"/>
+          </a:effectRef>
+          <a:fontRef idx="minor">
+            <a:schemeClr val="lt1"/>
+          </a:fontRef>
+        </p:style>
+        <p:txBody>
+          <a:bodyPr rtlCol="0" anchor="ctr"/>
+          <a:lstStyle/>
+          <a:p>
+            <a:pPr algn="ctr"/>
+            <a:endParaRPr lang="en-US"/>
+          </a:p>
+        </p:txBody>
+      </p:sp>
+      <p:sp>
+        <p:nvSpPr>
+          <p:cNvPr id="19" name="Striped Right Arrow 18"/>
+          <p:cNvSpPr/>
+          <p:nvPr/>
+        </p:nvSpPr>
+        <p:spPr>
+          <a:xfrm rot="5400000">
+            <a:off x="6268212" y="4094988"/>
+            <a:ext cx="551688" cy="438912"/>
+          </a:xfrm>
+          <a:prstGeom prst="stripedRightArrow">
+            <a:avLst/>
+          </a:prstGeom>
+          <a:solidFill>
+            <a:schemeClr val="accent3"/>
+          </a:solidFill>
+        </p:spPr>
+        <p:style>
+          <a:lnRef idx="2">
+            <a:schemeClr val="accent1">
+              <a:shade val="50000"/>
+            </a:schemeClr>
+          </a:lnRef>
+          <a:fillRef idx="1">
+            <a:schemeClr val="accent1"/>
+          </a:fillRef>
+          <a:effectRef idx="0">
+            <a:schemeClr val="accent1"/>
+          </a:effectRef>
+          <a:fontRef idx="minor">
+            <a:schemeClr val="lt1"/>
+          </a:fontRef>
+        </p:style>
+        <p:txBody>
+          <a:bodyPr rtlCol="0" anchor="ctr"/>
+          <a:lstStyle/>
+          <a:p>
+            <a:pPr algn="ctr"/>
+            <a:endParaRPr lang="en-US"/>
+          </a:p>
+        </p:txBody>
+      </p:sp>
+      <p:sp>
+        <p:nvSpPr>
+          <p:cNvPr id="20" name="Striped Right Arrow 19"/>
+          <p:cNvSpPr/>
+          <p:nvPr/>
+        </p:nvSpPr>
+        <p:spPr>
+          <a:xfrm>
+            <a:off x="762000" y="1905000"/>
+            <a:ext cx="749808" cy="484632"/>
+          </a:xfrm>
+          <a:prstGeom prst="stripedRightArrow">
+            <a:avLst/>
+          </a:prstGeom>
+          <a:solidFill>
+            <a:schemeClr val="accent3"/>
+          </a:solidFill>
+        </p:spPr>
+        <p:style>
+          <a:lnRef idx="2">
+            <a:schemeClr val="accent1">
+              <a:shade val="50000"/>
+            </a:schemeClr>
+          </a:lnRef>
+          <a:fillRef idx="1">
+            <a:schemeClr val="accent1"/>
+          </a:fillRef>
+          <a:effectRef idx="0">
+            <a:schemeClr val="accent1"/>
+          </a:effectRef>
+          <a:fontRef idx="minor">
+            <a:schemeClr val="lt1"/>
+          </a:fontRef>
+        </p:style>
+        <p:txBody>
+          <a:bodyPr rtlCol="0" anchor="ctr"/>
+          <a:lstStyle/>
+          <a:p>
+            <a:pPr algn="ctr"/>
+            <a:endParaRPr lang="en-US"/>
           </a:p>
         </p:txBody>
       </p:sp>
@@ -3750,6 +4784,296 @@
   <p:clrMapOvr>
     <a:masterClrMapping/>
   </p:clrMapOvr>
+  <p:timing>
+    <p:tnLst>
+      <p:par>
+        <p:cTn id="1" dur="indefinite" restart="never" nodeType="tmRoot">
+          <p:childTnLst>
+            <p:seq concurrent="1" nextAc="seek">
+              <p:cTn id="2" dur="indefinite" nodeType="mainSeq">
+                <p:childTnLst>
+                  <p:par>
+                    <p:cTn id="3" fill="hold">
+                      <p:stCondLst>
+                        <p:cond delay="indefinite"/>
+                      </p:stCondLst>
+                      <p:childTnLst>
+                        <p:par>
+                          <p:cTn id="4" fill="hold">
+                            <p:stCondLst>
+                              <p:cond delay="0"/>
+                            </p:stCondLst>
+                            <p:childTnLst>
+                              <p:par>
+                                <p:cTn id="5" presetID="1" presetClass="entr" presetSubtype="0" fill="hold" grpId="0" nodeType="clickEffect">
+                                  <p:stCondLst>
+                                    <p:cond delay="0"/>
+                                  </p:stCondLst>
+                                  <p:childTnLst>
+                                    <p:set>
+                                      <p:cBhvr>
+                                        <p:cTn id="6" dur="1" fill="hold">
+                                          <p:stCondLst>
+                                            <p:cond delay="0"/>
+                                          </p:stCondLst>
+                                        </p:cTn>
+                                        <p:tgtEl>
+                                          <p:spTgt spid="20"/>
+                                        </p:tgtEl>
+                                        <p:attrNameLst>
+                                          <p:attrName>style.visibility</p:attrName>
+                                        </p:attrNameLst>
+                                      </p:cBhvr>
+                                      <p:to>
+                                        <p:strVal val="visible"/>
+                                      </p:to>
+                                    </p:set>
+                                  </p:childTnLst>
+                                </p:cTn>
+                              </p:par>
+                            </p:childTnLst>
+                          </p:cTn>
+                        </p:par>
+                      </p:childTnLst>
+                    </p:cTn>
+                  </p:par>
+                  <p:par>
+                    <p:cTn id="7" fill="hold">
+                      <p:stCondLst>
+                        <p:cond delay="indefinite"/>
+                      </p:stCondLst>
+                      <p:childTnLst>
+                        <p:par>
+                          <p:cTn id="8" fill="hold">
+                            <p:stCondLst>
+                              <p:cond delay="0"/>
+                            </p:stCondLst>
+                            <p:childTnLst>
+                              <p:par>
+                                <p:cTn id="9" presetID="1" presetClass="entr" presetSubtype="0" fill="hold" grpId="0" nodeType="clickEffect">
+                                  <p:stCondLst>
+                                    <p:cond delay="0"/>
+                                  </p:stCondLst>
+                                  <p:childTnLst>
+                                    <p:set>
+                                      <p:cBhvr>
+                                        <p:cTn id="10" dur="1" fill="hold">
+                                          <p:stCondLst>
+                                            <p:cond delay="0"/>
+                                          </p:stCondLst>
+                                        </p:cTn>
+                                        <p:tgtEl>
+                                          <p:spTgt spid="15"/>
+                                        </p:tgtEl>
+                                        <p:attrNameLst>
+                                          <p:attrName>style.visibility</p:attrName>
+                                        </p:attrNameLst>
+                                      </p:cBhvr>
+                                      <p:to>
+                                        <p:strVal val="visible"/>
+                                      </p:to>
+                                    </p:set>
+                                  </p:childTnLst>
+                                </p:cTn>
+                              </p:par>
+                            </p:childTnLst>
+                          </p:cTn>
+                        </p:par>
+                      </p:childTnLst>
+                    </p:cTn>
+                  </p:par>
+                  <p:par>
+                    <p:cTn id="11" fill="hold">
+                      <p:stCondLst>
+                        <p:cond delay="indefinite"/>
+                      </p:stCondLst>
+                      <p:childTnLst>
+                        <p:par>
+                          <p:cTn id="12" fill="hold">
+                            <p:stCondLst>
+                              <p:cond delay="0"/>
+                            </p:stCondLst>
+                            <p:childTnLst>
+                              <p:par>
+                                <p:cTn id="13" presetID="1" presetClass="entr" presetSubtype="0" fill="hold" grpId="0" nodeType="clickEffect">
+                                  <p:stCondLst>
+                                    <p:cond delay="0"/>
+                                  </p:stCondLst>
+                                  <p:childTnLst>
+                                    <p:set>
+                                      <p:cBhvr>
+                                        <p:cTn id="14" dur="1" fill="hold">
+                                          <p:stCondLst>
+                                            <p:cond delay="0"/>
+                                          </p:stCondLst>
+                                        </p:cTn>
+                                        <p:tgtEl>
+                                          <p:spTgt spid="16"/>
+                                        </p:tgtEl>
+                                        <p:attrNameLst>
+                                          <p:attrName>style.visibility</p:attrName>
+                                        </p:attrNameLst>
+                                      </p:cBhvr>
+                                      <p:to>
+                                        <p:strVal val="visible"/>
+                                      </p:to>
+                                    </p:set>
+                                  </p:childTnLst>
+                                </p:cTn>
+                              </p:par>
+                            </p:childTnLst>
+                          </p:cTn>
+                        </p:par>
+                      </p:childTnLst>
+                    </p:cTn>
+                  </p:par>
+                  <p:par>
+                    <p:cTn id="15" fill="hold">
+                      <p:stCondLst>
+                        <p:cond delay="indefinite"/>
+                      </p:stCondLst>
+                      <p:childTnLst>
+                        <p:par>
+                          <p:cTn id="16" fill="hold">
+                            <p:stCondLst>
+                              <p:cond delay="0"/>
+                            </p:stCondLst>
+                            <p:childTnLst>
+                              <p:par>
+                                <p:cTn id="17" presetID="1" presetClass="entr" presetSubtype="0" fill="hold" grpId="0" nodeType="clickEffect">
+                                  <p:stCondLst>
+                                    <p:cond delay="0"/>
+                                  </p:stCondLst>
+                                  <p:childTnLst>
+                                    <p:set>
+                                      <p:cBhvr>
+                                        <p:cTn id="18" dur="1" fill="hold">
+                                          <p:stCondLst>
+                                            <p:cond delay="0"/>
+                                          </p:stCondLst>
+                                        </p:cTn>
+                                        <p:tgtEl>
+                                          <p:spTgt spid="18"/>
+                                        </p:tgtEl>
+                                        <p:attrNameLst>
+                                          <p:attrName>style.visibility</p:attrName>
+                                        </p:attrNameLst>
+                                      </p:cBhvr>
+                                      <p:to>
+                                        <p:strVal val="visible"/>
+                                      </p:to>
+                                    </p:set>
+                                  </p:childTnLst>
+                                </p:cTn>
+                              </p:par>
+                              <p:par>
+                                <p:cTn id="19" presetID="1" presetClass="entr" presetSubtype="0" fill="hold" grpId="0" nodeType="withEffect">
+                                  <p:stCondLst>
+                                    <p:cond delay="0"/>
+                                  </p:stCondLst>
+                                  <p:childTnLst>
+                                    <p:set>
+                                      <p:cBhvr>
+                                        <p:cTn id="20" dur="1" fill="hold">
+                                          <p:stCondLst>
+                                            <p:cond delay="0"/>
+                                          </p:stCondLst>
+                                        </p:cTn>
+                                        <p:tgtEl>
+                                          <p:spTgt spid="17"/>
+                                        </p:tgtEl>
+                                        <p:attrNameLst>
+                                          <p:attrName>style.visibility</p:attrName>
+                                        </p:attrNameLst>
+                                      </p:cBhvr>
+                                      <p:to>
+                                        <p:strVal val="visible"/>
+                                      </p:to>
+                                    </p:set>
+                                  </p:childTnLst>
+                                </p:cTn>
+                              </p:par>
+                            </p:childTnLst>
+                          </p:cTn>
+                        </p:par>
+                      </p:childTnLst>
+                    </p:cTn>
+                  </p:par>
+                  <p:par>
+                    <p:cTn id="21" fill="hold">
+                      <p:stCondLst>
+                        <p:cond delay="indefinite"/>
+                      </p:stCondLst>
+                      <p:childTnLst>
+                        <p:par>
+                          <p:cTn id="22" fill="hold">
+                            <p:stCondLst>
+                              <p:cond delay="0"/>
+                            </p:stCondLst>
+                            <p:childTnLst>
+                              <p:par>
+                                <p:cTn id="23" presetID="1" presetClass="entr" presetSubtype="0" fill="hold" grpId="0" nodeType="clickEffect">
+                                  <p:stCondLst>
+                                    <p:cond delay="0"/>
+                                  </p:stCondLst>
+                                  <p:childTnLst>
+                                    <p:set>
+                                      <p:cBhvr>
+                                        <p:cTn id="24" dur="1" fill="hold">
+                                          <p:stCondLst>
+                                            <p:cond delay="0"/>
+                                          </p:stCondLst>
+                                        </p:cTn>
+                                        <p:tgtEl>
+                                          <p:spTgt spid="19"/>
+                                        </p:tgtEl>
+                                        <p:attrNameLst>
+                                          <p:attrName>style.visibility</p:attrName>
+                                        </p:attrNameLst>
+                                      </p:cBhvr>
+                                      <p:to>
+                                        <p:strVal val="visible"/>
+                                      </p:to>
+                                    </p:set>
+                                  </p:childTnLst>
+                                </p:cTn>
+                              </p:par>
+                            </p:childTnLst>
+                          </p:cTn>
+                        </p:par>
+                      </p:childTnLst>
+                    </p:cTn>
+                  </p:par>
+                </p:childTnLst>
+              </p:cTn>
+              <p:prevCondLst>
+                <p:cond evt="onPrev" delay="0">
+                  <p:tgtEl>
+                    <p:sldTgt/>
+                  </p:tgtEl>
+                </p:cond>
+              </p:prevCondLst>
+              <p:nextCondLst>
+                <p:cond evt="onNext" delay="0">
+                  <p:tgtEl>
+                    <p:sldTgt/>
+                  </p:tgtEl>
+                </p:cond>
+              </p:nextCondLst>
+            </p:seq>
+          </p:childTnLst>
+        </p:cTn>
+      </p:par>
+    </p:tnLst>
+    <p:bldLst>
+      <p:bldP spid="15" grpId="0" animBg="1"/>
+      <p:bldP spid="16" grpId="0" animBg="1"/>
+      <p:bldP spid="17" grpId="0" animBg="1"/>
+      <p:bldP spid="18" grpId="0" animBg="1"/>
+      <p:bldP spid="19" grpId="0" animBg="1"/>
+      <p:bldP spid="20" grpId="0" animBg="1"/>
+    </p:bldLst>
+  </p:timing>
 </p:sld>
 </file>
 
@@ -3793,30 +5117,53 @@
           </a:p>
         </p:txBody>
       </p:sp>
-      <p:sp>
-        <p:nvSpPr>
-          <p:cNvPr id="3" name="Content Placeholder 2"/>
-          <p:cNvSpPr>
-            <a:spLocks noGrp="1"/>
-          </p:cNvSpPr>
+      <p:pic>
+        <p:nvPicPr>
+          <p:cNvPr id="1026" name="Picture 2"/>
+          <p:cNvPicPr>
+            <a:picLocks noGrp="1" noChangeAspect="1" noChangeArrowheads="1"/>
+          </p:cNvPicPr>
           <p:nvPr>
             <p:ph idx="1"/>
           </p:nvPr>
-        </p:nvSpPr>
-        <p:spPr/>
-        <p:txBody>
-          <a:bodyPr/>
-          <a:lstStyle/>
-          <a:p>
-            <a:endParaRPr lang="en-US"/>
-          </a:p>
-        </p:txBody>
-      </p:sp>
+        </p:nvPicPr>
+        <p:blipFill>
+          <a:blip r:embed="rId2"/>
+          <a:srcRect/>
+          <a:stretch>
+            <a:fillRect/>
+          </a:stretch>
+        </p:blipFill>
+        <p:spPr bwMode="auto">
+          <a:xfrm>
+            <a:off x="936746" y="1600200"/>
+            <a:ext cx="7270507" cy="4525963"/>
+          </a:xfrm>
+          <a:prstGeom prst="rect">
+            <a:avLst/>
+          </a:prstGeom>
+          <a:noFill/>
+          <a:ln w="9525">
+            <a:noFill/>
+            <a:miter lim="800000"/>
+            <a:headEnd/>
+            <a:tailEnd/>
+          </a:ln>
+          <a:effectLst/>
+        </p:spPr>
+      </p:pic>
     </p:spTree>
   </p:cSld>
   <p:clrMapOvr>
     <a:masterClrMapping/>
   </p:clrMapOvr>
+  <p:timing>
+    <p:tnLst>
+      <p:par>
+        <p:cTn id="1" dur="indefinite" restart="never" nodeType="tmRoot"/>
+      </p:par>
+    </p:tnLst>
+  </p:timing>
 </p:sld>
 </file>
 
